--- a/PGM.pptx
+++ b/PGM.pptx
@@ -105,6 +105,11 @@
       </a:defRPr>
     </a:lvl9pPr>
   </p:defaultTextStyle>
+  <p:extLst>
+    <p:ext uri="{EFAFB233-063F-42B5-8137-9DF3F51BA10A}">
+      <p15:sldGuideLst xmlns:p15="http://schemas.microsoft.com/office/powerpoint/2012/main"/>
+    </p:ext>
+  </p:extLst>
 </p:presentation>
 </file>
 
@@ -112,6 +117,7 @@
 <p1510:revInfo xmlns:a="http://schemas.openxmlformats.org/drawingml/2006/main" xmlns:r="http://schemas.openxmlformats.org/officeDocument/2006/relationships" xmlns:p1510="http://schemas.microsoft.com/office/powerpoint/2015/10/main">
   <p1510:revLst>
     <p1510:client id="{3AFE8878-E582-431E-9F9E-7FEE23FBE186}" v="139" dt="2024-03-21T13:32:06.325"/>
+    <p1510:client id="{8044EFE2-9CA3-4265-A1B7-06F0F28058C3}" v="1" dt="2024-03-21T13:53:37.425"/>
   </p1510:revLst>
 </p1510:revInfo>
 </file>
@@ -621,6 +627,46 @@
       </pc:sldChg>
     </pc:docChg>
   </pc:docChgLst>
+  <pc:docChgLst>
+    <pc:chgData name="Ida Sandelius" userId="b712007f929d983c" providerId="LiveId" clId="{8044EFE2-9CA3-4265-A1B7-06F0F28058C3}"/>
+    <pc:docChg chg="modSld">
+      <pc:chgData name="Ida Sandelius" userId="b712007f929d983c" providerId="LiveId" clId="{8044EFE2-9CA3-4265-A1B7-06F0F28058C3}" dt="2024-03-21T13:53:55.455" v="5" actId="14100"/>
+      <pc:docMkLst>
+        <pc:docMk/>
+      </pc:docMkLst>
+      <pc:sldChg chg="addSp modSp mod">
+        <pc:chgData name="Ida Sandelius" userId="b712007f929d983c" providerId="LiveId" clId="{8044EFE2-9CA3-4265-A1B7-06F0F28058C3}" dt="2024-03-21T13:53:55.455" v="5" actId="14100"/>
+        <pc:sldMkLst>
+          <pc:docMk/>
+          <pc:sldMk cId="116409435" sldId="257"/>
+        </pc:sldMkLst>
+        <pc:spChg chg="add mod">
+          <ac:chgData name="Ida Sandelius" userId="b712007f929d983c" providerId="LiveId" clId="{8044EFE2-9CA3-4265-A1B7-06F0F28058C3}" dt="2024-03-21T13:53:44.893" v="2" actId="1076"/>
+          <ac:spMkLst>
+            <pc:docMk/>
+            <pc:sldMk cId="116409435" sldId="257"/>
+            <ac:spMk id="2" creationId="{5DF8D843-624A-74B4-1B3B-A23F0906E1C5}"/>
+          </ac:spMkLst>
+        </pc:spChg>
+        <pc:spChg chg="mod">
+          <ac:chgData name="Ida Sandelius" userId="b712007f929d983c" providerId="LiveId" clId="{8044EFE2-9CA3-4265-A1B7-06F0F28058C3}" dt="2024-03-21T13:53:55.455" v="5" actId="14100"/>
+          <ac:spMkLst>
+            <pc:docMk/>
+            <pc:sldMk cId="116409435" sldId="257"/>
+            <ac:spMk id="32" creationId="{788BFAFB-6CFB-43DD-9D4B-B0BB92B2C049}"/>
+          </ac:spMkLst>
+        </pc:spChg>
+        <pc:cxnChg chg="add mod">
+          <ac:chgData name="Ida Sandelius" userId="b712007f929d983c" providerId="LiveId" clId="{8044EFE2-9CA3-4265-A1B7-06F0F28058C3}" dt="2024-03-21T13:53:51.445" v="4" actId="14100"/>
+          <ac:cxnSpMkLst>
+            <pc:docMk/>
+            <pc:sldMk cId="116409435" sldId="257"/>
+            <ac:cxnSpMk id="3" creationId="{07388C65-3115-1D72-DDFE-15848778B6E1}"/>
+          </ac:cxnSpMkLst>
+        </pc:cxnChg>
+      </pc:sldChg>
+    </pc:docChg>
+  </pc:docChgLst>
 </pc:chgInfo>
 </file>
 
@@ -3953,8 +3999,8 @@
           </a:p>
         </p:txBody>
       </p:sp>
-      <mc:AlternateContent xmlns:mc="http://schemas.openxmlformats.org/markup-compatibility/2006">
-        <mc:Choice xmlns:a14="http://schemas.microsoft.com/office/drawing/2010/main" Requires="a14">
+      <mc:AlternateContent xmlns:mc="http://schemas.openxmlformats.org/markup-compatibility/2006" xmlns:a14="http://schemas.microsoft.com/office/drawing/2010/main">
+        <mc:Choice Requires="a14">
           <p:sp>
             <p:nvSpPr>
               <p:cNvPr id="6" name="Oval 5">
@@ -4057,7 +4103,7 @@
             </p:txBody>
           </p:sp>
         </mc:Choice>
-        <mc:Fallback>
+        <mc:Fallback xmlns="">
           <p:sp>
             <p:nvSpPr>
               <p:cNvPr id="6" name="Oval 5">
@@ -4107,8 +4153,8 @@
           </p:sp>
         </mc:Fallback>
       </mc:AlternateContent>
-      <mc:AlternateContent xmlns:mc="http://schemas.openxmlformats.org/markup-compatibility/2006">
-        <mc:Choice xmlns:a14="http://schemas.microsoft.com/office/drawing/2010/main" Requires="a14">
+      <mc:AlternateContent xmlns:mc="http://schemas.openxmlformats.org/markup-compatibility/2006" xmlns:a14="http://schemas.microsoft.com/office/drawing/2010/main">
+        <mc:Choice Requires="a14">
           <p:sp>
             <p:nvSpPr>
               <p:cNvPr id="7" name="Oval 6">
@@ -4211,7 +4257,7 @@
             </p:txBody>
           </p:sp>
         </mc:Choice>
-        <mc:Fallback>
+        <mc:Fallback xmlns="">
           <p:sp>
             <p:nvSpPr>
               <p:cNvPr id="7" name="Oval 6">
@@ -4307,8 +4353,8 @@
           </a:fontRef>
         </p:style>
       </p:cxnSp>
-      <mc:AlternateContent xmlns:mc="http://schemas.openxmlformats.org/markup-compatibility/2006">
-        <mc:Choice xmlns:a14="http://schemas.microsoft.com/office/drawing/2010/main" Requires="a14">
+      <mc:AlternateContent xmlns:mc="http://schemas.openxmlformats.org/markup-compatibility/2006" xmlns:a14="http://schemas.microsoft.com/office/drawing/2010/main">
+        <mc:Choice Requires="a14">
           <p:sp>
             <p:nvSpPr>
               <p:cNvPr id="12" name="Oval 11">
@@ -4411,7 +4457,7 @@
             </p:txBody>
           </p:sp>
         </mc:Choice>
-        <mc:Fallback>
+        <mc:Fallback xmlns="">
           <p:sp>
             <p:nvSpPr>
               <p:cNvPr id="12" name="Oval 11">
@@ -4565,8 +4611,8 @@
           </a:p>
         </p:txBody>
       </p:sp>
-      <mc:AlternateContent xmlns:mc="http://schemas.openxmlformats.org/markup-compatibility/2006">
-        <mc:Choice xmlns:a14="http://schemas.microsoft.com/office/drawing/2010/main" Requires="a14">
+      <mc:AlternateContent xmlns:mc="http://schemas.openxmlformats.org/markup-compatibility/2006" xmlns:a14="http://schemas.microsoft.com/office/drawing/2010/main">
+        <mc:Choice Requires="a14">
           <p:sp>
             <p:nvSpPr>
               <p:cNvPr id="18" name="Oval 17">
@@ -4669,7 +4715,7 @@
             </p:txBody>
           </p:sp>
         </mc:Choice>
-        <mc:Fallback>
+        <mc:Fallback xmlns="">
           <p:sp>
             <p:nvSpPr>
               <p:cNvPr id="18" name="Oval 17">
@@ -4719,8 +4765,8 @@
           </p:sp>
         </mc:Fallback>
       </mc:AlternateContent>
-      <mc:AlternateContent xmlns:mc="http://schemas.openxmlformats.org/markup-compatibility/2006">
-        <mc:Choice xmlns:a14="http://schemas.microsoft.com/office/drawing/2010/main" Requires="a14">
+      <mc:AlternateContent xmlns:mc="http://schemas.openxmlformats.org/markup-compatibility/2006" xmlns:a14="http://schemas.microsoft.com/office/drawing/2010/main">
+        <mc:Choice Requires="a14">
           <p:sp>
             <p:nvSpPr>
               <p:cNvPr id="19" name="Oval 18">
@@ -4823,7 +4869,7 @@
             </p:txBody>
           </p:sp>
         </mc:Choice>
-        <mc:Fallback>
+        <mc:Fallback xmlns="">
           <p:sp>
             <p:nvSpPr>
               <p:cNvPr id="19" name="Oval 18">
@@ -4955,8 +5001,8 @@
           </a:p>
         </p:txBody>
       </p:sp>
-      <mc:AlternateContent xmlns:mc="http://schemas.openxmlformats.org/markup-compatibility/2006">
-        <mc:Choice xmlns:a14="http://schemas.microsoft.com/office/drawing/2010/main" Requires="a14">
+      <mc:AlternateContent xmlns:mc="http://schemas.openxmlformats.org/markup-compatibility/2006" xmlns:a14="http://schemas.microsoft.com/office/drawing/2010/main">
+        <mc:Choice Requires="a14">
           <p:sp>
             <p:nvSpPr>
               <p:cNvPr id="24" name="TextBox 23">
@@ -4985,6 +5031,7 @@
               </a:bodyPr>
               <a:lstStyle/>
               <a:p>
+                <a:pPr/>
                 <a14:m>
                   <m:oMathPara xmlns:m="http://schemas.openxmlformats.org/officeDocument/2006/math">
                     <m:oMathParaPr>
@@ -5020,7 +5067,7 @@
             </p:txBody>
           </p:sp>
         </mc:Choice>
-        <mc:Fallback>
+        <mc:Fallback xmlns="">
           <p:sp>
             <p:nvSpPr>
               <p:cNvPr id="24" name="TextBox 23">
@@ -5065,8 +5112,8 @@
           </p:sp>
         </mc:Fallback>
       </mc:AlternateContent>
-      <mc:AlternateContent xmlns:mc="http://schemas.openxmlformats.org/markup-compatibility/2006">
-        <mc:Choice xmlns:a14="http://schemas.microsoft.com/office/drawing/2010/main" Requires="a14">
+      <mc:AlternateContent xmlns:mc="http://schemas.openxmlformats.org/markup-compatibility/2006" xmlns:a14="http://schemas.microsoft.com/office/drawing/2010/main">
+        <mc:Choice Requires="a14">
           <p:sp>
             <p:nvSpPr>
               <p:cNvPr id="25" name="TextBox 24">
@@ -5095,6 +5142,7 @@
               </a:bodyPr>
               <a:lstStyle/>
               <a:p>
+                <a:pPr/>
                 <a14:m>
                   <m:oMathPara xmlns:m="http://schemas.openxmlformats.org/officeDocument/2006/math">
                     <m:oMathParaPr>
@@ -5123,7 +5171,7 @@
             </p:txBody>
           </p:sp>
         </mc:Choice>
-        <mc:Fallback>
+        <mc:Fallback xmlns="">
           <p:sp>
             <p:nvSpPr>
               <p:cNvPr id="25" name="TextBox 24">
@@ -5256,8 +5304,8 @@
           </a:fontRef>
         </p:style>
       </p:cxnSp>
-      <mc:AlternateContent xmlns:mc="http://schemas.openxmlformats.org/markup-compatibility/2006">
-        <mc:Choice xmlns:a14="http://schemas.microsoft.com/office/drawing/2010/main" Requires="a14">
+      <mc:AlternateContent xmlns:mc="http://schemas.openxmlformats.org/markup-compatibility/2006" xmlns:a14="http://schemas.microsoft.com/office/drawing/2010/main">
+        <mc:Choice Requires="a14">
           <p:sp>
             <p:nvSpPr>
               <p:cNvPr id="29" name="TextBox 28">
@@ -5286,6 +5334,7 @@
               </a:bodyPr>
               <a:lstStyle/>
               <a:p>
+                <a:pPr/>
                 <a14:m>
                   <m:oMathPara xmlns:m="http://schemas.openxmlformats.org/officeDocument/2006/math">
                     <m:oMathParaPr>
@@ -5321,7 +5370,7 @@
             </p:txBody>
           </p:sp>
         </mc:Choice>
-        <mc:Fallback>
+        <mc:Fallback xmlns="">
           <p:sp>
             <p:nvSpPr>
               <p:cNvPr id="29" name="TextBox 28">
@@ -5534,8 +5583,8 @@
           </a:p>
         </p:txBody>
       </p:sp>
-      <mc:AlternateContent xmlns:mc="http://schemas.openxmlformats.org/markup-compatibility/2006">
-        <mc:Choice xmlns:a14="http://schemas.microsoft.com/office/drawing/2010/main" Requires="a14">
+      <mc:AlternateContent xmlns:mc="http://schemas.openxmlformats.org/markup-compatibility/2006" xmlns:a14="http://schemas.microsoft.com/office/drawing/2010/main">
+        <mc:Choice Requires="a14">
           <p:sp>
             <p:nvSpPr>
               <p:cNvPr id="6" name="Oval 5">
@@ -5638,7 +5687,7 @@
             </p:txBody>
           </p:sp>
         </mc:Choice>
-        <mc:Fallback>
+        <mc:Fallback xmlns="">
           <p:sp>
             <p:nvSpPr>
               <p:cNvPr id="6" name="Oval 5">
@@ -5688,8 +5737,8 @@
           </p:sp>
         </mc:Fallback>
       </mc:AlternateContent>
-      <mc:AlternateContent xmlns:mc="http://schemas.openxmlformats.org/markup-compatibility/2006">
-        <mc:Choice xmlns:a14="http://schemas.microsoft.com/office/drawing/2010/main" Requires="a14">
+      <mc:AlternateContent xmlns:mc="http://schemas.openxmlformats.org/markup-compatibility/2006" xmlns:a14="http://schemas.microsoft.com/office/drawing/2010/main">
+        <mc:Choice Requires="a14">
           <p:sp>
             <p:nvSpPr>
               <p:cNvPr id="7" name="Oval 6">
@@ -5792,7 +5841,7 @@
             </p:txBody>
           </p:sp>
         </mc:Choice>
-        <mc:Fallback>
+        <mc:Fallback xmlns="">
           <p:sp>
             <p:nvSpPr>
               <p:cNvPr id="7" name="Oval 6">
@@ -5886,8 +5935,8 @@
           </a:fontRef>
         </p:style>
       </p:cxnSp>
-      <mc:AlternateContent xmlns:mc="http://schemas.openxmlformats.org/markup-compatibility/2006">
-        <mc:Choice xmlns:a14="http://schemas.microsoft.com/office/drawing/2010/main" Requires="a14">
+      <mc:AlternateContent xmlns:mc="http://schemas.openxmlformats.org/markup-compatibility/2006" xmlns:a14="http://schemas.microsoft.com/office/drawing/2010/main">
+        <mc:Choice Requires="a14">
           <p:sp>
             <p:nvSpPr>
               <p:cNvPr id="9" name="Oval 8">
@@ -5990,7 +6039,7 @@
             </p:txBody>
           </p:sp>
         </mc:Choice>
-        <mc:Fallback>
+        <mc:Fallback xmlns="">
           <p:sp>
             <p:nvSpPr>
               <p:cNvPr id="9" name="Oval 8">
@@ -6084,8 +6133,8 @@
           </a:fontRef>
         </p:style>
       </p:cxnSp>
-      <mc:AlternateContent xmlns:mc="http://schemas.openxmlformats.org/markup-compatibility/2006">
-        <mc:Choice xmlns:a14="http://schemas.microsoft.com/office/drawing/2010/main" Requires="a14">
+      <mc:AlternateContent xmlns:mc="http://schemas.openxmlformats.org/markup-compatibility/2006" xmlns:a14="http://schemas.microsoft.com/office/drawing/2010/main">
+        <mc:Choice Requires="a14">
           <p:sp>
             <p:nvSpPr>
               <p:cNvPr id="20" name="Oval 19">
@@ -6188,7 +6237,7 @@
             </p:txBody>
           </p:sp>
         </mc:Choice>
-        <mc:Fallback>
+        <mc:Fallback xmlns="">
           <p:sp>
             <p:nvSpPr>
               <p:cNvPr id="20" name="Oval 19">
@@ -6297,8 +6346,8 @@
         </p:nvSpPr>
         <p:spPr>
           <a:xfrm>
-            <a:off x="2062595" y="3860462"/>
-            <a:ext cx="6582641" cy="2181852"/>
+            <a:off x="2062595" y="3860461"/>
+            <a:ext cx="6582641" cy="2233803"/>
           </a:xfrm>
           <a:prstGeom prst="roundRect">
             <a:avLst/>
@@ -6377,8 +6426,8 @@
           </a:p>
         </p:txBody>
       </p:sp>
-      <mc:AlternateContent xmlns:mc="http://schemas.openxmlformats.org/markup-compatibility/2006">
-        <mc:Choice xmlns:a14="http://schemas.microsoft.com/office/drawing/2010/main" Requires="a14">
+      <mc:AlternateContent xmlns:mc="http://schemas.openxmlformats.org/markup-compatibility/2006" xmlns:a14="http://schemas.microsoft.com/office/drawing/2010/main">
+        <mc:Choice Requires="a14">
           <p:sp>
             <p:nvSpPr>
               <p:cNvPr id="34" name="Oval 33">
@@ -6481,7 +6530,7 @@
             </p:txBody>
           </p:sp>
         </mc:Choice>
-        <mc:Fallback>
+        <mc:Fallback xmlns="">
           <p:sp>
             <p:nvSpPr>
               <p:cNvPr id="34" name="Oval 33">
@@ -6531,8 +6580,8 @@
           </p:sp>
         </mc:Fallback>
       </mc:AlternateContent>
-      <mc:AlternateContent xmlns:mc="http://schemas.openxmlformats.org/markup-compatibility/2006">
-        <mc:Choice xmlns:a14="http://schemas.microsoft.com/office/drawing/2010/main" Requires="a14">
+      <mc:AlternateContent xmlns:mc="http://schemas.openxmlformats.org/markup-compatibility/2006" xmlns:a14="http://schemas.microsoft.com/office/drawing/2010/main">
+        <mc:Choice Requires="a14">
           <p:sp>
             <p:nvSpPr>
               <p:cNvPr id="35" name="Oval 34">
@@ -6635,7 +6684,7 @@
             </p:txBody>
           </p:sp>
         </mc:Choice>
-        <mc:Fallback>
+        <mc:Fallback xmlns="">
           <p:sp>
             <p:nvSpPr>
               <p:cNvPr id="35" name="Oval 34">
@@ -6731,8 +6780,8 @@
           </a:fontRef>
         </p:style>
       </p:cxnSp>
-      <mc:AlternateContent xmlns:mc="http://schemas.openxmlformats.org/markup-compatibility/2006">
-        <mc:Choice xmlns:a14="http://schemas.microsoft.com/office/drawing/2010/main" Requires="a14">
+      <mc:AlternateContent xmlns:mc="http://schemas.openxmlformats.org/markup-compatibility/2006" xmlns:a14="http://schemas.microsoft.com/office/drawing/2010/main">
+        <mc:Choice Requires="a14">
           <p:sp>
             <p:nvSpPr>
               <p:cNvPr id="37" name="Oval 36">
@@ -6835,7 +6884,7 @@
             </p:txBody>
           </p:sp>
         </mc:Choice>
-        <mc:Fallback>
+        <mc:Fallback xmlns="">
           <p:sp>
             <p:nvSpPr>
               <p:cNvPr id="37" name="Oval 36">
@@ -6931,8 +6980,8 @@
           </a:fontRef>
         </p:style>
       </p:cxnSp>
-      <mc:AlternateContent xmlns:mc="http://schemas.openxmlformats.org/markup-compatibility/2006">
-        <mc:Choice xmlns:a14="http://schemas.microsoft.com/office/drawing/2010/main" Requires="a14">
+      <mc:AlternateContent xmlns:mc="http://schemas.openxmlformats.org/markup-compatibility/2006" xmlns:a14="http://schemas.microsoft.com/office/drawing/2010/main">
+        <mc:Choice Requires="a14">
           <p:sp>
             <p:nvSpPr>
               <p:cNvPr id="39" name="Oval 38">
@@ -7035,7 +7084,7 @@
             </p:txBody>
           </p:sp>
         </mc:Choice>
-        <mc:Fallback>
+        <mc:Fallback xmlns="">
           <p:sp>
             <p:nvSpPr>
               <p:cNvPr id="39" name="Oval 38">
@@ -7130,8 +7179,8 @@
           </a:fontRef>
         </p:style>
       </p:cxnSp>
-      <mc:AlternateContent xmlns:mc="http://schemas.openxmlformats.org/markup-compatibility/2006">
-        <mc:Choice xmlns:a14="http://schemas.microsoft.com/office/drawing/2010/main" Requires="a14">
+      <mc:AlternateContent xmlns:mc="http://schemas.openxmlformats.org/markup-compatibility/2006" xmlns:a14="http://schemas.microsoft.com/office/drawing/2010/main">
+        <mc:Choice Requires="a14">
           <p:sp>
             <p:nvSpPr>
               <p:cNvPr id="41" name="Oval 40">
@@ -7234,7 +7283,7 @@
             </p:txBody>
           </p:sp>
         </mc:Choice>
-        <mc:Fallback>
+        <mc:Fallback xmlns="">
           <p:sp>
             <p:nvSpPr>
               <p:cNvPr id="41" name="Oval 40">
@@ -7284,8 +7333,8 @@
           </p:sp>
         </mc:Fallback>
       </mc:AlternateContent>
-      <mc:AlternateContent xmlns:mc="http://schemas.openxmlformats.org/markup-compatibility/2006">
-        <mc:Choice xmlns:a14="http://schemas.microsoft.com/office/drawing/2010/main" Requires="a14">
+      <mc:AlternateContent xmlns:mc="http://schemas.openxmlformats.org/markup-compatibility/2006" xmlns:a14="http://schemas.microsoft.com/office/drawing/2010/main">
+        <mc:Choice Requires="a14">
           <p:sp>
             <p:nvSpPr>
               <p:cNvPr id="42" name="Oval 41">
@@ -7388,7 +7437,7 @@
             </p:txBody>
           </p:sp>
         </mc:Choice>
-        <mc:Fallback>
+        <mc:Fallback xmlns="">
           <p:sp>
             <p:nvSpPr>
               <p:cNvPr id="42" name="Oval 41">
@@ -7438,8 +7487,8 @@
           </p:sp>
         </mc:Fallback>
       </mc:AlternateContent>
-      <mc:AlternateContent xmlns:mc="http://schemas.openxmlformats.org/markup-compatibility/2006">
-        <mc:Choice xmlns:a14="http://schemas.microsoft.com/office/drawing/2010/main" Requires="a14">
+      <mc:AlternateContent xmlns:mc="http://schemas.openxmlformats.org/markup-compatibility/2006" xmlns:a14="http://schemas.microsoft.com/office/drawing/2010/main">
+        <mc:Choice Requires="a14">
           <p:sp>
             <p:nvSpPr>
               <p:cNvPr id="43" name="Oval 42">
@@ -7542,7 +7591,7 @@
             </p:txBody>
           </p:sp>
         </mc:Choice>
-        <mc:Fallback>
+        <mc:Fallback xmlns="">
           <p:sp>
             <p:nvSpPr>
               <p:cNvPr id="43" name="Oval 42">
@@ -7726,8 +7775,8 @@
           </a:fontRef>
         </p:style>
       </p:cxnSp>
-      <mc:AlternateContent xmlns:mc="http://schemas.openxmlformats.org/markup-compatibility/2006">
-        <mc:Choice xmlns:a14="http://schemas.microsoft.com/office/drawing/2010/main" Requires="a14">
+      <mc:AlternateContent xmlns:mc="http://schemas.openxmlformats.org/markup-compatibility/2006" xmlns:a14="http://schemas.microsoft.com/office/drawing/2010/main">
+        <mc:Choice Requires="a14">
           <p:sp>
             <p:nvSpPr>
               <p:cNvPr id="53" name="TextBox 52">
@@ -7756,6 +7805,7 @@
               </a:bodyPr>
               <a:lstStyle/>
               <a:p>
+                <a:pPr/>
                 <a14:m>
                   <m:oMathPara xmlns:m="http://schemas.openxmlformats.org/officeDocument/2006/math">
                     <m:oMathParaPr>
@@ -7791,7 +7841,7 @@
             </p:txBody>
           </p:sp>
         </mc:Choice>
-        <mc:Fallback>
+        <mc:Fallback xmlns="">
           <p:sp>
             <p:nvSpPr>
               <p:cNvPr id="53" name="TextBox 52">
@@ -7836,8 +7886,8 @@
           </p:sp>
         </mc:Fallback>
       </mc:AlternateContent>
-      <mc:AlternateContent xmlns:mc="http://schemas.openxmlformats.org/markup-compatibility/2006">
-        <mc:Choice xmlns:a14="http://schemas.microsoft.com/office/drawing/2010/main" Requires="a14">
+      <mc:AlternateContent xmlns:mc="http://schemas.openxmlformats.org/markup-compatibility/2006" xmlns:a14="http://schemas.microsoft.com/office/drawing/2010/main">
+        <mc:Choice Requires="a14">
           <p:sp>
             <p:nvSpPr>
               <p:cNvPr id="54" name="TextBox 53">
@@ -7866,6 +7916,7 @@
               </a:bodyPr>
               <a:lstStyle/>
               <a:p>
+                <a:pPr/>
                 <a14:m>
                   <m:oMathPara xmlns:m="http://schemas.openxmlformats.org/officeDocument/2006/math">
                     <m:oMathParaPr>
@@ -7894,7 +7945,7 @@
             </p:txBody>
           </p:sp>
         </mc:Choice>
-        <mc:Fallback>
+        <mc:Fallback xmlns="">
           <p:sp>
             <p:nvSpPr>
               <p:cNvPr id="54" name="TextBox 53">
@@ -8027,8 +8078,8 @@
           </a:fontRef>
         </p:style>
       </p:cxnSp>
-      <mc:AlternateContent xmlns:mc="http://schemas.openxmlformats.org/markup-compatibility/2006">
-        <mc:Choice xmlns:a14="http://schemas.microsoft.com/office/drawing/2010/main" Requires="a14">
+      <mc:AlternateContent xmlns:mc="http://schemas.openxmlformats.org/markup-compatibility/2006" xmlns:a14="http://schemas.microsoft.com/office/drawing/2010/main">
+        <mc:Choice Requires="a14">
           <p:sp>
             <p:nvSpPr>
               <p:cNvPr id="57" name="TextBox 56">
@@ -8057,6 +8108,7 @@
               </a:bodyPr>
               <a:lstStyle/>
               <a:p>
+                <a:pPr/>
                 <a14:m>
                   <m:oMathPara xmlns:m="http://schemas.openxmlformats.org/officeDocument/2006/math">
                     <m:oMathParaPr>
@@ -8092,7 +8144,7 @@
             </p:txBody>
           </p:sp>
         </mc:Choice>
-        <mc:Fallback>
+        <mc:Fallback xmlns="">
           <p:sp>
             <p:nvSpPr>
               <p:cNvPr id="57" name="TextBox 56">
@@ -8137,8 +8189,8 @@
           </p:sp>
         </mc:Fallback>
       </mc:AlternateContent>
-      <mc:AlternateContent xmlns:mc="http://schemas.openxmlformats.org/markup-compatibility/2006">
-        <mc:Choice xmlns:a14="http://schemas.microsoft.com/office/drawing/2010/main" Requires="a14">
+      <mc:AlternateContent xmlns:mc="http://schemas.openxmlformats.org/markup-compatibility/2006" xmlns:a14="http://schemas.microsoft.com/office/drawing/2010/main">
+        <mc:Choice Requires="a14">
           <p:sp>
             <p:nvSpPr>
               <p:cNvPr id="58" name="TextBox 57">
@@ -8167,6 +8219,7 @@
               </a:bodyPr>
               <a:lstStyle/>
               <a:p>
+                <a:pPr/>
                 <a14:m>
                   <m:oMathPara xmlns:m="http://schemas.openxmlformats.org/officeDocument/2006/math">
                     <m:oMathParaPr>
@@ -8195,7 +8248,7 @@
             </p:txBody>
           </p:sp>
         </mc:Choice>
-        <mc:Fallback>
+        <mc:Fallback xmlns="">
           <p:sp>
             <p:nvSpPr>
               <p:cNvPr id="58" name="TextBox 57">
@@ -8302,6 +8355,162 @@
           <a:xfrm>
             <a:off x="1750978" y="5550487"/>
             <a:ext cx="470945" cy="1"/>
+          </a:xfrm>
+          <a:prstGeom prst="straightConnector1">
+            <a:avLst/>
+          </a:prstGeom>
+          <a:ln>
+            <a:solidFill>
+              <a:schemeClr val="tx1"/>
+            </a:solidFill>
+            <a:tailEnd type="triangle"/>
+          </a:ln>
+        </p:spPr>
+        <p:style>
+          <a:lnRef idx="2">
+            <a:schemeClr val="accent1"/>
+          </a:lnRef>
+          <a:fillRef idx="0">
+            <a:schemeClr val="accent1"/>
+          </a:fillRef>
+          <a:effectRef idx="1">
+            <a:schemeClr val="accent1"/>
+          </a:effectRef>
+          <a:fontRef idx="minor">
+            <a:schemeClr val="tx1"/>
+          </a:fontRef>
+        </p:style>
+      </p:cxnSp>
+      <mc:AlternateContent xmlns:mc="http://schemas.openxmlformats.org/markup-compatibility/2006">
+        <mc:Choice xmlns:a14="http://schemas.microsoft.com/office/drawing/2010/main" Requires="a14">
+          <p:sp>
+            <p:nvSpPr>
+              <p:cNvPr id="2" name="TextBox 1">
+                <a:extLst>
+                  <a:ext uri="{FF2B5EF4-FFF2-40B4-BE49-F238E27FC236}">
+                    <a16:creationId xmlns:a16="http://schemas.microsoft.com/office/drawing/2014/main" id="{5DF8D843-624A-74B4-1B3B-A23F0906E1C5}"/>
+                  </a:ext>
+                </a:extLst>
+              </p:cNvPr>
+              <p:cNvSpPr txBox="1"/>
+              <p:nvPr/>
+            </p:nvSpPr>
+            <p:spPr>
+              <a:xfrm>
+                <a:off x="3852836" y="6173158"/>
+                <a:ext cx="406201" cy="276999"/>
+              </a:xfrm>
+              <a:prstGeom prst="rect">
+                <a:avLst/>
+              </a:prstGeom>
+              <a:noFill/>
+            </p:spPr>
+            <p:txBody>
+              <a:bodyPr wrap="none" lIns="0" tIns="0" rIns="0" bIns="0" rtlCol="0">
+                <a:spAutoFit/>
+              </a:bodyPr>
+              <a:lstStyle/>
+              <a:p>
+                <a:pPr/>
+                <a14:m>
+                  <m:oMathPara xmlns:m="http://schemas.openxmlformats.org/officeDocument/2006/math">
+                    <m:oMathParaPr>
+                      <m:jc m:val="centerGroup"/>
+                    </m:oMathParaPr>
+                    <m:oMath xmlns:m="http://schemas.openxmlformats.org/officeDocument/2006/math">
+                      <m:r>
+                        <a:rPr lang="da-DK" b="0" i="1" smtClean="0">
+                          <a:latin typeface="Cambria Math" panose="02040503050406030204" pitchFamily="18" charset="0"/>
+                          <a:ea typeface="Cambria Math" panose="02040503050406030204" pitchFamily="18" charset="0"/>
+                        </a:rPr>
+                        <m:t>𝜇</m:t>
+                      </m:r>
+                      <m:r>
+                        <a:rPr lang="da-DK" b="0" i="1" smtClean="0">
+                          <a:latin typeface="Cambria Math" panose="02040503050406030204" pitchFamily="18" charset="0"/>
+                          <a:ea typeface="Cambria Math" panose="02040503050406030204" pitchFamily="18" charset="0"/>
+                        </a:rPr>
+                        <m:t>,</m:t>
+                      </m:r>
+                      <m:r>
+                        <a:rPr lang="da-DK" b="0" i="1" smtClean="0">
+                          <a:latin typeface="Cambria Math" panose="02040503050406030204" pitchFamily="18" charset="0"/>
+                          <a:ea typeface="Cambria Math" panose="02040503050406030204" pitchFamily="18" charset="0"/>
+                        </a:rPr>
+                        <m:t>𝜎</m:t>
+                      </m:r>
+                    </m:oMath>
+                  </m:oMathPara>
+                </a14:m>
+                <a:endParaRPr lang="en-AU" dirty="0"/>
+              </a:p>
+            </p:txBody>
+          </p:sp>
+        </mc:Choice>
+        <mc:Fallback>
+          <p:sp>
+            <p:nvSpPr>
+              <p:cNvPr id="2" name="TextBox 1">
+                <a:extLst>
+                  <a:ext uri="{FF2B5EF4-FFF2-40B4-BE49-F238E27FC236}">
+                    <a16:creationId xmlns:a16="http://schemas.microsoft.com/office/drawing/2014/main" id="{5DF8D843-624A-74B4-1B3B-A23F0906E1C5}"/>
+                  </a:ext>
+                </a:extLst>
+              </p:cNvPr>
+              <p:cNvSpPr txBox="1">
+                <a:spLocks noRot="1" noChangeAspect="1" noMove="1" noResize="1" noEditPoints="1" noAdjustHandles="1" noChangeArrowheads="1" noChangeShapeType="1" noTextEdit="1"/>
+              </p:cNvSpPr>
+              <p:nvPr/>
+            </p:nvSpPr>
+            <p:spPr>
+              <a:xfrm>
+                <a:off x="3852836" y="6173158"/>
+                <a:ext cx="406201" cy="276999"/>
+              </a:xfrm>
+              <a:prstGeom prst="rect">
+                <a:avLst/>
+              </a:prstGeom>
+              <a:blipFill>
+                <a:blip r:embed="rId17"/>
+                <a:stretch>
+                  <a:fillRect l="-13433" r="-7463" b="-22222"/>
+                </a:stretch>
+              </a:blipFill>
+            </p:spPr>
+            <p:txBody>
+              <a:bodyPr/>
+              <a:lstStyle/>
+              <a:p>
+                <a:r>
+                  <a:rPr lang="en-AU">
+                    <a:noFill/>
+                  </a:rPr>
+                  <a:t> </a:t>
+                </a:r>
+              </a:p>
+            </p:txBody>
+          </p:sp>
+        </mc:Fallback>
+      </mc:AlternateContent>
+      <p:cxnSp>
+        <p:nvCxnSpPr>
+          <p:cNvPr id="3" name="Straight Arrow Connector 2">
+            <a:extLst>
+              <a:ext uri="{FF2B5EF4-FFF2-40B4-BE49-F238E27FC236}">
+                <a16:creationId xmlns:a16="http://schemas.microsoft.com/office/drawing/2014/main" id="{07388C65-3115-1D72-DDFE-15848778B6E1}"/>
+              </a:ext>
+            </a:extLst>
+          </p:cNvPr>
+          <p:cNvCxnSpPr>
+            <a:cxnSpLocks/>
+            <a:stCxn id="2" idx="0"/>
+          </p:cNvCxnSpPr>
+          <p:nvPr/>
+        </p:nvCxnSpPr>
+        <p:spPr>
+          <a:xfrm flipV="1">
+            <a:off x="4055937" y="5938660"/>
+            <a:ext cx="0" cy="234498"/>
           </a:xfrm>
           <a:prstGeom prst="straightConnector1">
             <a:avLst/>
